--- a/hw/编译原理期末项目答辩.pptx
+++ b/hw/编译原理期末项目答辩.pptx
@@ -7941,7 +7941,7 @@
       </p:grpSp>
       <p:pic>
         <p:nvPicPr>
-          <p:cNvPr id="2" name="图片 1"/>
+          <p:cNvPr id="5" name="图片 4"/>
           <p:cNvPicPr>
             <a:picLocks noChangeAspect="1"/>
           </p:cNvPicPr>
@@ -7959,101 +7959,6 @@
         </p:blipFill>
         <p:spPr>
           <a:xfrm>
-            <a:off x="790575" y="727075"/>
-            <a:ext cx="4371975" cy="3011170"/>
-          </a:xfrm>
-          <a:prstGeom prst="rect">
-            <a:avLst/>
-          </a:prstGeom>
-        </p:spPr>
-      </p:pic>
-      <p:pic>
-        <p:nvPicPr>
-          <p:cNvPr id="3" name="图片 2"/>
-          <p:cNvPicPr>
-            <a:picLocks noChangeAspect="1"/>
-          </p:cNvPicPr>
-          <p:nvPr>
-            <p:custDataLst>
-              <p:tags r:id="rId3"/>
-            </p:custDataLst>
-          </p:nvPr>
-        </p:nvPicPr>
-        <p:blipFill>
-          <a:blip r:embed="rId4"/>
-          <a:stretch>
-            <a:fillRect/>
-          </a:stretch>
-        </p:blipFill>
-        <p:spPr>
-          <a:xfrm>
-            <a:off x="7458710" y="727075"/>
-            <a:ext cx="4080510" cy="3034665"/>
-          </a:xfrm>
-          <a:prstGeom prst="rect">
-            <a:avLst/>
-          </a:prstGeom>
-        </p:spPr>
-      </p:pic>
-      <p:sp>
-        <p:nvSpPr>
-          <p:cNvPr id="4" name="右箭头 3"/>
-          <p:cNvSpPr/>
-          <p:nvPr/>
-        </p:nvSpPr>
-        <p:spPr>
-          <a:xfrm>
-            <a:off x="5390515" y="1868170"/>
-            <a:ext cx="1765300" cy="599440"/>
-          </a:xfrm>
-          <a:prstGeom prst="rightArrow">
-            <a:avLst/>
-          </a:prstGeom>
-        </p:spPr>
-        <p:style>
-          <a:lnRef idx="2">
-            <a:schemeClr val="accent1">
-              <a:lumMod val="75000"/>
-            </a:schemeClr>
-          </a:lnRef>
-          <a:fillRef idx="1">
-            <a:schemeClr val="accent1"/>
-          </a:fillRef>
-          <a:effectRef idx="0">
-            <a:srgbClr val="FFFFFF"/>
-          </a:effectRef>
-          <a:fontRef idx="minor">
-            <a:schemeClr val="lt1"/>
-          </a:fontRef>
-        </p:style>
-        <p:txBody>
-          <a:bodyPr rtlCol="0" anchor="ctr"/>
-          <a:p>
-            <a:pPr algn="ctr"/>
-            <a:endParaRPr lang="zh-CN" altLang="en-US"/>
-          </a:p>
-        </p:txBody>
-      </p:sp>
-      <p:pic>
-        <p:nvPicPr>
-          <p:cNvPr id="5" name="图片 4"/>
-          <p:cNvPicPr>
-            <a:picLocks noChangeAspect="1"/>
-          </p:cNvPicPr>
-          <p:nvPr>
-            <p:custDataLst>
-              <p:tags r:id="rId5"/>
-            </p:custDataLst>
-          </p:nvPr>
-        </p:nvPicPr>
-        <p:blipFill>
-          <a:blip r:embed="rId6"/>
-          <a:stretch>
-            <a:fillRect/>
-          </a:stretch>
-        </p:blipFill>
-        <p:spPr>
-          <a:xfrm>
             <a:off x="790575" y="4072255"/>
             <a:ext cx="7530465" cy="2512060"/>
           </a:xfrm>
@@ -8062,39 +7967,6 @@
           </a:prstGeom>
         </p:spPr>
       </p:pic>
-      <p:sp>
-        <p:nvSpPr>
-          <p:cNvPr id="11" name="文本框 10"/>
-          <p:cNvSpPr txBox="1"/>
-          <p:nvPr/>
-        </p:nvSpPr>
-        <p:spPr>
-          <a:xfrm>
-            <a:off x="5360670" y="1301750"/>
-            <a:ext cx="2098040" cy="645160"/>
-          </a:xfrm>
-          <a:prstGeom prst="rect">
-            <a:avLst/>
-          </a:prstGeom>
-          <a:noFill/>
-        </p:spPr>
-        <p:txBody>
-          <a:bodyPr wrap="square" rtlCol="0">
-            <a:spAutoFit/>
-          </a:bodyPr>
-          <a:p>
-            <a:r>
-              <a:rPr lang="zh-CN" altLang="en-US"/>
-              <a:t>中间代码生成打印在</a:t>
-            </a:r>
-            <a:r>
-              <a:rPr lang="zh-CN" altLang="en-US"/>
-              <a:t>控制台</a:t>
-            </a:r>
-            <a:endParaRPr lang="zh-CN" altLang="en-US"/>
-          </a:p>
-        </p:txBody>
-      </p:sp>
       <p:sp>
         <p:nvSpPr>
           <p:cNvPr id="12" name="文本框 11"/>
@@ -8122,6 +7994,34 @@
           </a:p>
         </p:txBody>
       </p:sp>
+      <p:pic>
+        <p:nvPicPr>
+          <p:cNvPr id="13" name="图片 12"/>
+          <p:cNvPicPr>
+            <a:picLocks noChangeAspect="1"/>
+          </p:cNvPicPr>
+          <p:nvPr>
+            <p:custDataLst>
+              <p:tags r:id="rId3"/>
+            </p:custDataLst>
+          </p:nvPr>
+        </p:nvPicPr>
+        <p:blipFill>
+          <a:blip r:embed="rId4"/>
+          <a:stretch>
+            <a:fillRect/>
+          </a:stretch>
+        </p:blipFill>
+        <p:spPr>
+          <a:xfrm>
+            <a:off x="768350" y="916940"/>
+            <a:ext cx="7531100" cy="2512060"/>
+          </a:xfrm>
+          <a:prstGeom prst="rect">
+            <a:avLst/>
+          </a:prstGeom>
+        </p:spPr>
+      </p:pic>
     </p:spTree>
   </p:cSld>
   <p:clrMapOvr>
@@ -20272,9 +20172,9 @@
           <p:grpSpPr>
             <a:xfrm>
               <a:off x="3619230" y="4202679"/>
-              <a:ext cx="2538846" cy="1257332"/>
+              <a:ext cx="2742565" cy="1257300"/>
               <a:chOff x="1382336" y="3374053"/>
-              <a:chExt cx="2538846" cy="1257332"/>
+              <a:chExt cx="2742565" cy="1257300"/>
             </a:xfrm>
           </p:grpSpPr>
           <p:sp>
@@ -20339,8 +20239,8 @@
             </p:nvSpPr>
             <p:spPr>
               <a:xfrm flipH="1">
-                <a:off x="1382336" y="3709365"/>
-                <a:ext cx="2538846" cy="922020"/>
+                <a:off x="1382336" y="3709333"/>
+                <a:ext cx="2742565" cy="922020"/>
               </a:xfrm>
               <a:prstGeom prst="rect">
                 <a:avLst/>
@@ -20368,7 +20268,20 @@
                     <a:latin typeface="微软雅黑" panose="020B0503020204020204" pitchFamily="34" charset="-122"/>
                     <a:ea typeface="微软雅黑" panose="020B0503020204020204" pitchFamily="34" charset="-122"/>
                   </a:rPr>
-                  <a:t>选择了LR（1）文法进行语法分</a:t>
+                  <a:t>选择了LR（1）</a:t>
+                </a:r>
+                <a:r>
+                  <a:rPr lang="zh-CN" altLang="en-US" sz="1200" dirty="0">
+                    <a:solidFill>
+                      <a:schemeClr val="tx1">
+                        <a:lumMod val="75000"/>
+                        <a:lumOff val="25000"/>
+                      </a:schemeClr>
+                    </a:solidFill>
+                    <a:latin typeface="微软雅黑" panose="020B0503020204020204" pitchFamily="34" charset="-122"/>
+                    <a:ea typeface="微软雅黑" panose="020B0503020204020204" pitchFamily="34" charset="-122"/>
+                  </a:rPr>
+                  <a:t>分析法进行语法分</a:t>
                 </a:r>
                 <a:r>
                   <a:rPr lang="zh-CN" altLang="en-US" sz="1200" dirty="0">
@@ -24972,12 +24885,6 @@
 </file>
 
 <file path=ppt/tags/tag68.xml><?xml version="1.0" encoding="utf-8"?>
-<p:tagLst xmlns:p="http://schemas.openxmlformats.org/presentationml/2006/main">
-  <p:tag name="KSO_WM_BEAUTIFY_FLAG" val=""/>
-</p:tagLst>
-</file>
-
-<file path=ppt/tags/tag69.xml><?xml version="1.0" encoding="utf-8"?>
 <p:tagLst xmlns:p="http://schemas.openxmlformats.org/presentationml/2006/main">
   <p:tag name="KSO_WM_BEAUTIFY_FLAG" val=""/>
 </p:tagLst>

--- a/hw/编译原理期末项目答辩.pptx
+++ b/hw/编译原理期末项目答辩.pptx
@@ -20324,7 +20324,34 @@
                     <a:latin typeface="微软雅黑" panose="020B0503020204020204" pitchFamily="34" charset="-122"/>
                     <a:ea typeface="微软雅黑" panose="020B0503020204020204" pitchFamily="34" charset="-122"/>
                   </a:rPr>
-                  <a:t>引入了DFAProduction类，在LR（1）文法中表示状态之间的转移</a:t>
+                  <a:t>引入了DFAProduction类，在LR（1）</a:t>
+                </a:r>
+                <a:r>
+                  <a:rPr lang="zh-CN" altLang="en-US" sz="1200" dirty="0">
+                    <a:solidFill>
+                      <a:schemeClr val="tx1">
+                        <a:lumMod val="75000"/>
+                        <a:lumOff val="25000"/>
+                      </a:schemeClr>
+                    </a:solidFill>
+                    <a:latin typeface="微软雅黑" panose="020B0503020204020204" pitchFamily="34" charset="-122"/>
+                    <a:ea typeface="微软雅黑" panose="020B0503020204020204" pitchFamily="34" charset="-122"/>
+                    <a:sym typeface="+mn-ea"/>
+                  </a:rPr>
+                  <a:t>分析法</a:t>
+                </a:r>
+                <a:r>
+                  <a:rPr lang="zh-CN" altLang="en-US" sz="1200" dirty="0">
+                    <a:solidFill>
+                      <a:schemeClr val="tx1">
+                        <a:lumMod val="75000"/>
+                        <a:lumOff val="25000"/>
+                      </a:schemeClr>
+                    </a:solidFill>
+                    <a:latin typeface="微软雅黑" panose="020B0503020204020204" pitchFamily="34" charset="-122"/>
+                    <a:ea typeface="微软雅黑" panose="020B0503020204020204" pitchFamily="34" charset="-122"/>
+                  </a:rPr>
+                  <a:t>中表示状态之间的转移</a:t>
                 </a:r>
                 <a:endParaRPr lang="zh-CN" altLang="en-US" sz="1200" dirty="0">
                   <a:solidFill>

--- a/hw/编译原理期末项目答辩.pptx
+++ b/hw/编译原理期末项目答辩.pptx
@@ -26,6 +26,9 @@
   </p:sldIdLst>
   <p:sldSz cx="12192000" cy="6858000"/>
   <p:notesSz cx="6858000" cy="9144000"/>
+  <p:custDataLst>
+    <p:tags r:id="rId22"/>
+  </p:custDataLst>
   <p:defaultTextStyle>
     <a:defPPr>
       <a:defRPr lang="zh-CN"/>
@@ -1492,7 +1495,7 @@
         <a:spcBef>
           <a:spcPts val="1000"/>
         </a:spcBef>
-        <a:buFont typeface="Arial" panose="020B0604020202090204" pitchFamily="34" charset="0"/>
+        <a:buFont typeface="Arial" panose="020B0604020202020204" pitchFamily="34" charset="0"/>
         <a:buChar char="•"/>
         <a:defRPr sz="2800" kern="1200">
           <a:solidFill>
@@ -1510,7 +1513,7 @@
         <a:spcBef>
           <a:spcPts val="500"/>
         </a:spcBef>
-        <a:buFont typeface="Arial" panose="020B0604020202090204" pitchFamily="34" charset="0"/>
+        <a:buFont typeface="Arial" panose="020B0604020202020204" pitchFamily="34" charset="0"/>
         <a:buChar char="•"/>
         <a:defRPr sz="2400" kern="1200">
           <a:solidFill>
@@ -1528,7 +1531,7 @@
         <a:spcBef>
           <a:spcPts val="500"/>
         </a:spcBef>
-        <a:buFont typeface="Arial" panose="020B0604020202090204" pitchFamily="34" charset="0"/>
+        <a:buFont typeface="Arial" panose="020B0604020202020204" pitchFamily="34" charset="0"/>
         <a:buChar char="•"/>
         <a:defRPr sz="2000" kern="1200">
           <a:solidFill>
@@ -1546,7 +1549,7 @@
         <a:spcBef>
           <a:spcPts val="500"/>
         </a:spcBef>
-        <a:buFont typeface="Arial" panose="020B0604020202090204" pitchFamily="34" charset="0"/>
+        <a:buFont typeface="Arial" panose="020B0604020202020204" pitchFamily="34" charset="0"/>
         <a:buChar char="•"/>
         <a:defRPr sz="1800" kern="1200">
           <a:solidFill>
@@ -1564,7 +1567,7 @@
         <a:spcBef>
           <a:spcPts val="500"/>
         </a:spcBef>
-        <a:buFont typeface="Arial" panose="020B0604020202090204" pitchFamily="34" charset="0"/>
+        <a:buFont typeface="Arial" panose="020B0604020202020204" pitchFamily="34" charset="0"/>
         <a:buChar char="•"/>
         <a:defRPr sz="1800" kern="1200">
           <a:solidFill>
@@ -1582,7 +1585,7 @@
         <a:spcBef>
           <a:spcPts val="500"/>
         </a:spcBef>
-        <a:buFont typeface="Arial" panose="020B0604020202090204" pitchFamily="34" charset="0"/>
+        <a:buFont typeface="Arial" panose="020B0604020202020204" pitchFamily="34" charset="0"/>
         <a:buChar char="•"/>
         <a:defRPr sz="1800" kern="1200">
           <a:solidFill>
@@ -1600,7 +1603,7 @@
         <a:spcBef>
           <a:spcPts val="500"/>
         </a:spcBef>
-        <a:buFont typeface="Arial" panose="020B0604020202090204" pitchFamily="34" charset="0"/>
+        <a:buFont typeface="Arial" panose="020B0604020202020204" pitchFamily="34" charset="0"/>
         <a:buChar char="•"/>
         <a:defRPr sz="1800" kern="1200">
           <a:solidFill>
@@ -1618,7 +1621,7 @@
         <a:spcBef>
           <a:spcPts val="500"/>
         </a:spcBef>
-        <a:buFont typeface="Arial" panose="020B0604020202090204" pitchFamily="34" charset="0"/>
+        <a:buFont typeface="Arial" panose="020B0604020202020204" pitchFamily="34" charset="0"/>
         <a:buChar char="•"/>
         <a:defRPr sz="1800" kern="1200">
           <a:solidFill>
@@ -1636,7 +1639,7 @@
         <a:spcBef>
           <a:spcPts val="500"/>
         </a:spcBef>
-        <a:buFont typeface="Arial" panose="020B0604020202090204" pitchFamily="34" charset="0"/>
+        <a:buFont typeface="Arial" panose="020B0604020202020204" pitchFamily="34" charset="0"/>
         <a:buChar char="•"/>
         <a:defRPr sz="1800" kern="1200">
           <a:solidFill>
@@ -2020,7 +2023,7 @@
         <a:spcBef>
           <a:spcPts val="1000"/>
         </a:spcBef>
-        <a:buFont typeface="Arial" panose="020B0604020202090204" pitchFamily="34" charset="0"/>
+        <a:buFont typeface="Arial" panose="020B0604020202020204" pitchFamily="34" charset="0"/>
         <a:buChar char="•"/>
         <a:defRPr sz="2800" kern="1200">
           <a:solidFill>
@@ -2038,7 +2041,7 @@
         <a:spcBef>
           <a:spcPts val="500"/>
         </a:spcBef>
-        <a:buFont typeface="Arial" panose="020B0604020202090204" pitchFamily="34" charset="0"/>
+        <a:buFont typeface="Arial" panose="020B0604020202020204" pitchFamily="34" charset="0"/>
         <a:buChar char="•"/>
         <a:defRPr sz="2400" kern="1200">
           <a:solidFill>
@@ -2056,7 +2059,7 @@
         <a:spcBef>
           <a:spcPts val="500"/>
         </a:spcBef>
-        <a:buFont typeface="Arial" panose="020B0604020202090204" pitchFamily="34" charset="0"/>
+        <a:buFont typeface="Arial" panose="020B0604020202020204" pitchFamily="34" charset="0"/>
         <a:buChar char="•"/>
         <a:defRPr sz="2000" kern="1200">
           <a:solidFill>
@@ -2074,7 +2077,7 @@
         <a:spcBef>
           <a:spcPts val="500"/>
         </a:spcBef>
-        <a:buFont typeface="Arial" panose="020B0604020202090204" pitchFamily="34" charset="0"/>
+        <a:buFont typeface="Arial" panose="020B0604020202020204" pitchFamily="34" charset="0"/>
         <a:buChar char="•"/>
         <a:defRPr sz="1800" kern="1200">
           <a:solidFill>
@@ -2092,7 +2095,7 @@
         <a:spcBef>
           <a:spcPts val="500"/>
         </a:spcBef>
-        <a:buFont typeface="Arial" panose="020B0604020202090204" pitchFamily="34" charset="0"/>
+        <a:buFont typeface="Arial" panose="020B0604020202020204" pitchFamily="34" charset="0"/>
         <a:buChar char="•"/>
         <a:defRPr sz="1800" kern="1200">
           <a:solidFill>
@@ -2110,7 +2113,7 @@
         <a:spcBef>
           <a:spcPts val="500"/>
         </a:spcBef>
-        <a:buFont typeface="Arial" panose="020B0604020202090204" pitchFamily="34" charset="0"/>
+        <a:buFont typeface="Arial" panose="020B0604020202020204" pitchFamily="34" charset="0"/>
         <a:buChar char="•"/>
         <a:defRPr sz="1800" kern="1200">
           <a:solidFill>
@@ -2128,7 +2131,7 @@
         <a:spcBef>
           <a:spcPts val="500"/>
         </a:spcBef>
-        <a:buFont typeface="Arial" panose="020B0604020202090204" pitchFamily="34" charset="0"/>
+        <a:buFont typeface="Arial" panose="020B0604020202020204" pitchFamily="34" charset="0"/>
         <a:buChar char="•"/>
         <a:defRPr sz="1800" kern="1200">
           <a:solidFill>
@@ -2146,7 +2149,7 @@
         <a:spcBef>
           <a:spcPts val="500"/>
         </a:spcBef>
-        <a:buFont typeface="Arial" panose="020B0604020202090204" pitchFamily="34" charset="0"/>
+        <a:buFont typeface="Arial" panose="020B0604020202020204" pitchFamily="34" charset="0"/>
         <a:buChar char="•"/>
         <a:defRPr sz="1800" kern="1200">
           <a:solidFill>
@@ -2164,7 +2167,7 @@
         <a:spcBef>
           <a:spcPts val="500"/>
         </a:spcBef>
-        <a:buFont typeface="Arial" panose="020B0604020202090204" pitchFamily="34" charset="0"/>
+        <a:buFont typeface="Arial" panose="020B0604020202020204" pitchFamily="34" charset="0"/>
         <a:buChar char="•"/>
         <a:defRPr sz="1800" kern="1200">
           <a:solidFill>
@@ -3734,7 +3737,7 @@
                     <a:solidFill>
                       <a:schemeClr val="tx1"/>
                     </a:solidFill>
-                    <a:latin typeface="Arial" panose="020B0604020202090204" pitchFamily="34" charset="0"/>
+                    <a:latin typeface="Arial" panose="020B0604020202020204" pitchFamily="34" charset="0"/>
                     <a:ea typeface="微软雅黑" panose="020B0503020204020204" pitchFamily="34" charset="-122"/>
                   </a:defRPr>
                 </a:lvl1pPr>
@@ -3743,7 +3746,7 @@
                     <a:solidFill>
                       <a:schemeClr val="tx1"/>
                     </a:solidFill>
-                    <a:latin typeface="Arial" panose="020B0604020202090204" pitchFamily="34" charset="0"/>
+                    <a:latin typeface="Arial" panose="020B0604020202020204" pitchFamily="34" charset="0"/>
                     <a:ea typeface="微软雅黑" panose="020B0503020204020204" pitchFamily="34" charset="-122"/>
                   </a:defRPr>
                 </a:lvl2pPr>
@@ -3752,7 +3755,7 @@
                     <a:solidFill>
                       <a:schemeClr val="tx1"/>
                     </a:solidFill>
-                    <a:latin typeface="Arial" panose="020B0604020202090204" pitchFamily="34" charset="0"/>
+                    <a:latin typeface="Arial" panose="020B0604020202020204" pitchFamily="34" charset="0"/>
                     <a:ea typeface="微软雅黑" panose="020B0503020204020204" pitchFamily="34" charset="-122"/>
                   </a:defRPr>
                 </a:lvl3pPr>
@@ -3761,7 +3764,7 @@
                     <a:solidFill>
                       <a:schemeClr val="tx1"/>
                     </a:solidFill>
-                    <a:latin typeface="Arial" panose="020B0604020202090204" pitchFamily="34" charset="0"/>
+                    <a:latin typeface="Arial" panose="020B0604020202020204" pitchFamily="34" charset="0"/>
                     <a:ea typeface="微软雅黑" panose="020B0503020204020204" pitchFamily="34" charset="-122"/>
                   </a:defRPr>
                 </a:lvl4pPr>
@@ -3770,7 +3773,7 @@
                     <a:solidFill>
                       <a:schemeClr val="tx1"/>
                     </a:solidFill>
-                    <a:latin typeface="Arial" panose="020B0604020202090204" pitchFamily="34" charset="0"/>
+                    <a:latin typeface="Arial" panose="020B0604020202020204" pitchFamily="34" charset="0"/>
                     <a:ea typeface="微软雅黑" panose="020B0503020204020204" pitchFamily="34" charset="-122"/>
                   </a:defRPr>
                 </a:lvl5pPr>
@@ -3785,7 +3788,7 @@
                     <a:solidFill>
                       <a:schemeClr val="tx1"/>
                     </a:solidFill>
-                    <a:latin typeface="Arial" panose="020B0604020202090204" pitchFamily="34" charset="0"/>
+                    <a:latin typeface="Arial" panose="020B0604020202020204" pitchFamily="34" charset="0"/>
                     <a:ea typeface="微软雅黑" panose="020B0503020204020204" pitchFamily="34" charset="-122"/>
                   </a:defRPr>
                 </a:lvl6pPr>
@@ -3800,7 +3803,7 @@
                     <a:solidFill>
                       <a:schemeClr val="tx1"/>
                     </a:solidFill>
-                    <a:latin typeface="Arial" panose="020B0604020202090204" pitchFamily="34" charset="0"/>
+                    <a:latin typeface="Arial" panose="020B0604020202020204" pitchFamily="34" charset="0"/>
                     <a:ea typeface="微软雅黑" panose="020B0503020204020204" pitchFamily="34" charset="-122"/>
                   </a:defRPr>
                 </a:lvl7pPr>
@@ -3815,7 +3818,7 @@
                     <a:solidFill>
                       <a:schemeClr val="tx1"/>
                     </a:solidFill>
-                    <a:latin typeface="Arial" panose="020B0604020202090204" pitchFamily="34" charset="0"/>
+                    <a:latin typeface="Arial" panose="020B0604020202020204" pitchFamily="34" charset="0"/>
                     <a:ea typeface="微软雅黑" panose="020B0503020204020204" pitchFamily="34" charset="-122"/>
                   </a:defRPr>
                 </a:lvl8pPr>
@@ -3830,7 +3833,7 @@
                     <a:solidFill>
                       <a:schemeClr val="tx1"/>
                     </a:solidFill>
-                    <a:latin typeface="Arial" panose="020B0604020202090204" pitchFamily="34" charset="0"/>
+                    <a:latin typeface="Arial" panose="020B0604020202020204" pitchFamily="34" charset="0"/>
                     <a:ea typeface="微软雅黑" panose="020B0503020204020204" pitchFamily="34" charset="-122"/>
                   </a:defRPr>
                 </a:lvl9pPr>
@@ -6604,16 +6607,16 @@
                   </a:pPr>
                   <a:r>
                     <a:rPr lang="zh-CN" altLang="en-US" sz="1600">
-                      <a:latin typeface="黑体" charset="0"/>
-                      <a:ea typeface="黑体" charset="0"/>
+                      <a:latin typeface="黑体" panose="02010609060101010101" charset="-122"/>
+                      <a:ea typeface="黑体" panose="02010609060101010101" charset="-122"/>
                       <a:sym typeface="+mn-ea"/>
                     </a:rPr>
                     <a:t>•</a:t>
                   </a:r>
                   <a:r>
                     <a:rPr lang="en-US" altLang="zh-CN" sz="1600">
-                      <a:latin typeface="黑体" charset="0"/>
-                      <a:ea typeface="黑体" charset="0"/>
+                      <a:latin typeface="黑体" panose="02010609060101010101" charset="-122"/>
+                      <a:ea typeface="黑体" panose="02010609060101010101" charset="-122"/>
                       <a:sym typeface="+mn-ea"/>
                     </a:rPr>
                     <a:t> </a:t>
@@ -6626,8 +6629,8 @@
                           <a:lumOff val="25000"/>
                         </a:schemeClr>
                       </a:solidFill>
-                      <a:latin typeface="黑体" charset="0"/>
-                      <a:ea typeface="黑体" charset="0"/>
+                      <a:latin typeface="黑体" panose="02010609060101010101" charset="-122"/>
+                      <a:ea typeface="黑体" panose="02010609060101010101" charset="-122"/>
                     </a:rPr>
                     <a:t>java</a:t>
                   </a:r>
@@ -6638,8 +6641,8 @@
                         <a:lumOff val="25000"/>
                       </a:schemeClr>
                     </a:solidFill>
-                    <a:latin typeface="黑体" charset="0"/>
-                    <a:ea typeface="黑体" charset="0"/>
+                    <a:latin typeface="黑体" panose="02010609060101010101" charset="-122"/>
+                    <a:ea typeface="黑体" panose="02010609060101010101" charset="-122"/>
                   </a:endParaRPr>
                 </a:p>
                 <a:p>
@@ -6650,23 +6653,23 @@
                   </a:pPr>
                   <a:r>
                     <a:rPr lang="zh-CN" altLang="en-US" sz="1600">
-                      <a:latin typeface="黑体" charset="0"/>
-                      <a:ea typeface="黑体" charset="0"/>
+                      <a:latin typeface="黑体" panose="02010609060101010101" charset="-122"/>
+                      <a:ea typeface="黑体" panose="02010609060101010101" charset="-122"/>
                       <a:sym typeface="+mn-ea"/>
                     </a:rPr>
                     <a:t>•</a:t>
                   </a:r>
                   <a:r>
                     <a:rPr lang="en-US" altLang="zh-CN" sz="1600">
-                      <a:latin typeface="黑体" charset="0"/>
-                      <a:ea typeface="黑体" charset="0"/>
+                      <a:latin typeface="黑体" panose="02010609060101010101" charset="-122"/>
+                      <a:ea typeface="黑体" panose="02010609060101010101" charset="-122"/>
                       <a:sym typeface="+mn-ea"/>
                     </a:rPr>
                     <a:t> ANTLR</a:t>
                   </a:r>
                   <a:endParaRPr lang="zh-CN" altLang="en-US" sz="1600">
-                    <a:latin typeface="黑体" charset="0"/>
-                    <a:ea typeface="黑体" charset="0"/>
+                    <a:latin typeface="黑体" panose="02010609060101010101" charset="-122"/>
+                    <a:ea typeface="黑体" panose="02010609060101010101" charset="-122"/>
                   </a:endParaRPr>
                 </a:p>
                 <a:p>
@@ -6682,8 +6685,8 @@
                         <a:lumOff val="25000"/>
                       </a:schemeClr>
                     </a:solidFill>
-                    <a:latin typeface="黑体" charset="0"/>
-                    <a:ea typeface="黑体" charset="0"/>
+                    <a:latin typeface="黑体" panose="02010609060101010101" charset="-122"/>
+                    <a:ea typeface="黑体" panose="02010609060101010101" charset="-122"/>
                   </a:endParaRPr>
                 </a:p>
               </p:txBody>
@@ -7939,34 +7942,6 @@
           </p:txBody>
         </p:sp>
       </p:grpSp>
-      <p:pic>
-        <p:nvPicPr>
-          <p:cNvPr id="5" name="图片 4"/>
-          <p:cNvPicPr>
-            <a:picLocks noChangeAspect="1"/>
-          </p:cNvPicPr>
-          <p:nvPr>
-            <p:custDataLst>
-              <p:tags r:id="rId1"/>
-            </p:custDataLst>
-          </p:nvPr>
-        </p:nvPicPr>
-        <p:blipFill>
-          <a:blip r:embed="rId2"/>
-          <a:stretch>
-            <a:fillRect/>
-          </a:stretch>
-        </p:blipFill>
-        <p:spPr>
-          <a:xfrm>
-            <a:off x="790575" y="4072255"/>
-            <a:ext cx="7530465" cy="2512060"/>
-          </a:xfrm>
-          <a:prstGeom prst="rect">
-            <a:avLst/>
-          </a:prstGeom>
-        </p:spPr>
-      </p:pic>
       <p:sp>
         <p:nvSpPr>
           <p:cNvPr id="12" name="文本框 11"/>
@@ -8002,6 +7977,34 @@
           </p:cNvPicPr>
           <p:nvPr>
             <p:custDataLst>
+              <p:tags r:id="rId1"/>
+            </p:custDataLst>
+          </p:nvPr>
+        </p:nvPicPr>
+        <p:blipFill>
+          <a:blip r:embed="rId2"/>
+          <a:stretch>
+            <a:fillRect/>
+          </a:stretch>
+        </p:blipFill>
+        <p:spPr>
+          <a:xfrm>
+            <a:off x="768350" y="916940"/>
+            <a:ext cx="7531100" cy="2512060"/>
+          </a:xfrm>
+          <a:prstGeom prst="rect">
+            <a:avLst/>
+          </a:prstGeom>
+        </p:spPr>
+      </p:pic>
+      <p:pic>
+        <p:nvPicPr>
+          <p:cNvPr id="2" name="图片 1"/>
+          <p:cNvPicPr>
+            <a:picLocks noChangeAspect="1"/>
+          </p:cNvPicPr>
+          <p:nvPr>
+            <p:custDataLst>
               <p:tags r:id="rId3"/>
             </p:custDataLst>
           </p:nvPr>
@@ -8014,8 +8017,8 @@
         </p:blipFill>
         <p:spPr>
           <a:xfrm>
-            <a:off x="768350" y="916940"/>
-            <a:ext cx="7531100" cy="2512060"/>
+            <a:off x="768350" y="4007485"/>
+            <a:ext cx="7547610" cy="2380615"/>
           </a:xfrm>
           <a:prstGeom prst="rect">
             <a:avLst/>
@@ -8368,7 +8371,7 @@
                 <a:solidFill>
                   <a:schemeClr val="tx1"/>
                 </a:solidFill>
-                <a:latin typeface="Arial" panose="020B0604020202090204" pitchFamily="34" charset="0"/>
+                <a:latin typeface="Arial" panose="020B0604020202020204" pitchFamily="34" charset="0"/>
                 <a:ea typeface="微软雅黑" panose="020B0503020204020204" pitchFamily="34" charset="-122"/>
               </a:defRPr>
             </a:lvl1pPr>
@@ -8377,7 +8380,7 @@
                 <a:solidFill>
                   <a:schemeClr val="tx1"/>
                 </a:solidFill>
-                <a:latin typeface="Arial" panose="020B0604020202090204" pitchFamily="34" charset="0"/>
+                <a:latin typeface="Arial" panose="020B0604020202020204" pitchFamily="34" charset="0"/>
                 <a:ea typeface="微软雅黑" panose="020B0503020204020204" pitchFamily="34" charset="-122"/>
               </a:defRPr>
             </a:lvl2pPr>
@@ -8386,7 +8389,7 @@
                 <a:solidFill>
                   <a:schemeClr val="tx1"/>
                 </a:solidFill>
-                <a:latin typeface="Arial" panose="020B0604020202090204" pitchFamily="34" charset="0"/>
+                <a:latin typeface="Arial" panose="020B0604020202020204" pitchFamily="34" charset="0"/>
                 <a:ea typeface="微软雅黑" panose="020B0503020204020204" pitchFamily="34" charset="-122"/>
               </a:defRPr>
             </a:lvl3pPr>
@@ -8395,7 +8398,7 @@
                 <a:solidFill>
                   <a:schemeClr val="tx1"/>
                 </a:solidFill>
-                <a:latin typeface="Arial" panose="020B0604020202090204" pitchFamily="34" charset="0"/>
+                <a:latin typeface="Arial" panose="020B0604020202020204" pitchFamily="34" charset="0"/>
                 <a:ea typeface="微软雅黑" panose="020B0503020204020204" pitchFamily="34" charset="-122"/>
               </a:defRPr>
             </a:lvl4pPr>
@@ -8404,7 +8407,7 @@
                 <a:solidFill>
                   <a:schemeClr val="tx1"/>
                 </a:solidFill>
-                <a:latin typeface="Arial" panose="020B0604020202090204" pitchFamily="34" charset="0"/>
+                <a:latin typeface="Arial" panose="020B0604020202020204" pitchFamily="34" charset="0"/>
                 <a:ea typeface="微软雅黑" panose="020B0503020204020204" pitchFamily="34" charset="-122"/>
               </a:defRPr>
             </a:lvl5pPr>
@@ -8419,7 +8422,7 @@
                 <a:solidFill>
                   <a:schemeClr val="tx1"/>
                 </a:solidFill>
-                <a:latin typeface="Arial" panose="020B0604020202090204" pitchFamily="34" charset="0"/>
+                <a:latin typeface="Arial" panose="020B0604020202020204" pitchFamily="34" charset="0"/>
                 <a:ea typeface="微软雅黑" panose="020B0503020204020204" pitchFamily="34" charset="-122"/>
               </a:defRPr>
             </a:lvl6pPr>
@@ -8434,7 +8437,7 @@
                 <a:solidFill>
                   <a:schemeClr val="tx1"/>
                 </a:solidFill>
-                <a:latin typeface="Arial" panose="020B0604020202090204" pitchFamily="34" charset="0"/>
+                <a:latin typeface="Arial" panose="020B0604020202020204" pitchFamily="34" charset="0"/>
                 <a:ea typeface="微软雅黑" panose="020B0503020204020204" pitchFamily="34" charset="-122"/>
               </a:defRPr>
             </a:lvl7pPr>
@@ -8449,7 +8452,7 @@
                 <a:solidFill>
                   <a:schemeClr val="tx1"/>
                 </a:solidFill>
-                <a:latin typeface="Arial" panose="020B0604020202090204" pitchFamily="34" charset="0"/>
+                <a:latin typeface="Arial" panose="020B0604020202020204" pitchFamily="34" charset="0"/>
                 <a:ea typeface="微软雅黑" panose="020B0503020204020204" pitchFamily="34" charset="-122"/>
               </a:defRPr>
             </a:lvl8pPr>
@@ -8464,7 +8467,7 @@
                 <a:solidFill>
                   <a:schemeClr val="tx1"/>
                 </a:solidFill>
-                <a:latin typeface="Arial" panose="020B0604020202090204" pitchFamily="34" charset="0"/>
+                <a:latin typeface="Arial" panose="020B0604020202020204" pitchFamily="34" charset="0"/>
                 <a:ea typeface="微软雅黑" panose="020B0503020204020204" pitchFamily="34" charset="-122"/>
               </a:defRPr>
             </a:lvl9pPr>
@@ -9523,14 +9526,14 @@
                   <a:spcBef>
                     <a:spcPts val="1000"/>
                   </a:spcBef>
-                  <a:buFont typeface="Arial" panose="020B0604020202090204" pitchFamily="34" charset="0"/>
+                  <a:buFont typeface="Arial" panose="020B0604020202020204" pitchFamily="34" charset="0"/>
                   <a:buChar char="•"/>
                   <a:defRPr sz="2800">
                     <a:solidFill>
                       <a:schemeClr val="tx1"/>
                     </a:solidFill>
                     <a:latin typeface="Calibri" panose="020F0502020204030204" pitchFamily="34" charset="0"/>
-                    <a:ea typeface="宋体" pitchFamily="2" charset="-122"/>
+                    <a:ea typeface="宋体" panose="02010600030101010101" pitchFamily="2" charset="-122"/>
                   </a:defRPr>
                 </a:lvl1pPr>
                 <a:lvl2pPr marL="742950" indent="-285750">
@@ -9540,14 +9543,14 @@
                   <a:spcBef>
                     <a:spcPts val="500"/>
                   </a:spcBef>
-                  <a:buFont typeface="Arial" panose="020B0604020202090204" pitchFamily="34" charset="0"/>
+                  <a:buFont typeface="Arial" panose="020B0604020202020204" pitchFamily="34" charset="0"/>
                   <a:buChar char="•"/>
                   <a:defRPr sz="2400">
                     <a:solidFill>
                       <a:schemeClr val="tx1"/>
                     </a:solidFill>
                     <a:latin typeface="Calibri" panose="020F0502020204030204" pitchFamily="34" charset="0"/>
-                    <a:ea typeface="宋体" pitchFamily="2" charset="-122"/>
+                    <a:ea typeface="宋体" panose="02010600030101010101" pitchFamily="2" charset="-122"/>
                   </a:defRPr>
                 </a:lvl2pPr>
                 <a:lvl3pPr marL="1143000" indent="-228600">
@@ -9557,14 +9560,14 @@
                   <a:spcBef>
                     <a:spcPts val="500"/>
                   </a:spcBef>
-                  <a:buFont typeface="Arial" panose="020B0604020202090204" pitchFamily="34" charset="0"/>
+                  <a:buFont typeface="Arial" panose="020B0604020202020204" pitchFamily="34" charset="0"/>
                   <a:buChar char="•"/>
                   <a:defRPr sz="2000">
                     <a:solidFill>
                       <a:schemeClr val="tx1"/>
                     </a:solidFill>
                     <a:latin typeface="Calibri" panose="020F0502020204030204" pitchFamily="34" charset="0"/>
-                    <a:ea typeface="宋体" pitchFamily="2" charset="-122"/>
+                    <a:ea typeface="宋体" panose="02010600030101010101" pitchFamily="2" charset="-122"/>
                   </a:defRPr>
                 </a:lvl3pPr>
                 <a:lvl4pPr marL="1600200" indent="-228600">
@@ -9574,14 +9577,14 @@
                   <a:spcBef>
                     <a:spcPts val="500"/>
                   </a:spcBef>
-                  <a:buFont typeface="Arial" panose="020B0604020202090204" pitchFamily="34" charset="0"/>
+                  <a:buFont typeface="Arial" panose="020B0604020202020204" pitchFamily="34" charset="0"/>
                   <a:buChar char="•"/>
                   <a:defRPr>
                     <a:solidFill>
                       <a:schemeClr val="tx1"/>
                     </a:solidFill>
                     <a:latin typeface="Calibri" panose="020F0502020204030204" pitchFamily="34" charset="0"/>
-                    <a:ea typeface="宋体" pitchFamily="2" charset="-122"/>
+                    <a:ea typeface="宋体" panose="02010600030101010101" pitchFamily="2" charset="-122"/>
                   </a:defRPr>
                 </a:lvl4pPr>
                 <a:lvl5pPr marL="2057400" indent="-228600">
@@ -9591,14 +9594,14 @@
                   <a:spcBef>
                     <a:spcPts val="500"/>
                   </a:spcBef>
-                  <a:buFont typeface="Arial" panose="020B0604020202090204" pitchFamily="34" charset="0"/>
+                  <a:buFont typeface="Arial" panose="020B0604020202020204" pitchFamily="34" charset="0"/>
                   <a:buChar char="•"/>
                   <a:defRPr>
                     <a:solidFill>
                       <a:schemeClr val="tx1"/>
                     </a:solidFill>
                     <a:latin typeface="Calibri" panose="020F0502020204030204" pitchFamily="34" charset="0"/>
-                    <a:ea typeface="宋体" pitchFamily="2" charset="-122"/>
+                    <a:ea typeface="宋体" panose="02010600030101010101" pitchFamily="2" charset="-122"/>
                   </a:defRPr>
                 </a:lvl5pPr>
                 <a:lvl6pPr marL="2514600" indent="-228600" eaLnBrk="0" fontAlgn="base" hangingPunct="0">
@@ -9611,14 +9614,14 @@
                   <a:spcAft>
                     <a:spcPct val="0"/>
                   </a:spcAft>
-                  <a:buFont typeface="Arial" panose="020B0604020202090204" pitchFamily="34" charset="0"/>
+                  <a:buFont typeface="Arial" panose="020B0604020202020204" pitchFamily="34" charset="0"/>
                   <a:buChar char="•"/>
                   <a:defRPr>
                     <a:solidFill>
                       <a:schemeClr val="tx1"/>
                     </a:solidFill>
                     <a:latin typeface="Calibri" panose="020F0502020204030204" pitchFamily="34" charset="0"/>
-                    <a:ea typeface="宋体" pitchFamily="2" charset="-122"/>
+                    <a:ea typeface="宋体" panose="02010600030101010101" pitchFamily="2" charset="-122"/>
                   </a:defRPr>
                 </a:lvl6pPr>
                 <a:lvl7pPr marL="2971800" indent="-228600" eaLnBrk="0" fontAlgn="base" hangingPunct="0">
@@ -9631,14 +9634,14 @@
                   <a:spcAft>
                     <a:spcPct val="0"/>
                   </a:spcAft>
-                  <a:buFont typeface="Arial" panose="020B0604020202090204" pitchFamily="34" charset="0"/>
+                  <a:buFont typeface="Arial" panose="020B0604020202020204" pitchFamily="34" charset="0"/>
                   <a:buChar char="•"/>
                   <a:defRPr>
                     <a:solidFill>
                       <a:schemeClr val="tx1"/>
                     </a:solidFill>
                     <a:latin typeface="Calibri" panose="020F0502020204030204" pitchFamily="34" charset="0"/>
-                    <a:ea typeface="宋体" pitchFamily="2" charset="-122"/>
+                    <a:ea typeface="宋体" panose="02010600030101010101" pitchFamily="2" charset="-122"/>
                   </a:defRPr>
                 </a:lvl7pPr>
                 <a:lvl8pPr marL="3429000" indent="-228600" eaLnBrk="0" fontAlgn="base" hangingPunct="0">
@@ -9651,14 +9654,14 @@
                   <a:spcAft>
                     <a:spcPct val="0"/>
                   </a:spcAft>
-                  <a:buFont typeface="Arial" panose="020B0604020202090204" pitchFamily="34" charset="0"/>
+                  <a:buFont typeface="Arial" panose="020B0604020202020204" pitchFamily="34" charset="0"/>
                   <a:buChar char="•"/>
                   <a:defRPr>
                     <a:solidFill>
                       <a:schemeClr val="tx1"/>
                     </a:solidFill>
                     <a:latin typeface="Calibri" panose="020F0502020204030204" pitchFamily="34" charset="0"/>
-                    <a:ea typeface="宋体" pitchFamily="2" charset="-122"/>
+                    <a:ea typeface="宋体" panose="02010600030101010101" pitchFamily="2" charset="-122"/>
                   </a:defRPr>
                 </a:lvl8pPr>
                 <a:lvl9pPr marL="3886200" indent="-228600" eaLnBrk="0" fontAlgn="base" hangingPunct="0">
@@ -9671,14 +9674,14 @@
                   <a:spcAft>
                     <a:spcPct val="0"/>
                   </a:spcAft>
-                  <a:buFont typeface="Arial" panose="020B0604020202090204" pitchFamily="34" charset="0"/>
+                  <a:buFont typeface="Arial" panose="020B0604020202020204" pitchFamily="34" charset="0"/>
                   <a:buChar char="•"/>
                   <a:defRPr>
                     <a:solidFill>
                       <a:schemeClr val="tx1"/>
                     </a:solidFill>
                     <a:latin typeface="Calibri" panose="020F0502020204030204" pitchFamily="34" charset="0"/>
-                    <a:ea typeface="宋体" pitchFamily="2" charset="-122"/>
+                    <a:ea typeface="宋体" panose="02010600030101010101" pitchFamily="2" charset="-122"/>
                   </a:defRPr>
                 </a:lvl9pPr>
               </a:lstStyle>
@@ -9690,7 +9693,7 @@
                   <a:spcBef>
                     <a:spcPct val="0"/>
                   </a:spcBef>
-                  <a:buFont typeface="Arial" panose="020B0604020202090204" pitchFamily="34" charset="0"/>
+                  <a:buFont typeface="Arial" panose="020B0604020202020204" pitchFamily="34" charset="0"/>
                   <a:buNone/>
                   <a:defRPr/>
                 </a:pPr>
@@ -9833,14 +9836,14 @@
                   <a:spcBef>
                     <a:spcPts val="1000"/>
                   </a:spcBef>
-                  <a:buFont typeface="Arial" panose="020B0604020202090204" pitchFamily="34" charset="0"/>
+                  <a:buFont typeface="Arial" panose="020B0604020202020204" pitchFamily="34" charset="0"/>
                   <a:buChar char="•"/>
                   <a:defRPr sz="2800">
                     <a:solidFill>
                       <a:schemeClr val="tx1"/>
                     </a:solidFill>
                     <a:latin typeface="Calibri" panose="020F0502020204030204" pitchFamily="34" charset="0"/>
-                    <a:ea typeface="宋体" pitchFamily="2" charset="-122"/>
+                    <a:ea typeface="宋体" panose="02010600030101010101" pitchFamily="2" charset="-122"/>
                   </a:defRPr>
                 </a:lvl1pPr>
                 <a:lvl2pPr marL="742950" indent="-285750">
@@ -9850,14 +9853,14 @@
                   <a:spcBef>
                     <a:spcPts val="500"/>
                   </a:spcBef>
-                  <a:buFont typeface="Arial" panose="020B0604020202090204" pitchFamily="34" charset="0"/>
+                  <a:buFont typeface="Arial" panose="020B0604020202020204" pitchFamily="34" charset="0"/>
                   <a:buChar char="•"/>
                   <a:defRPr sz="2400">
                     <a:solidFill>
                       <a:schemeClr val="tx1"/>
                     </a:solidFill>
                     <a:latin typeface="Calibri" panose="020F0502020204030204" pitchFamily="34" charset="0"/>
-                    <a:ea typeface="宋体" pitchFamily="2" charset="-122"/>
+                    <a:ea typeface="宋体" panose="02010600030101010101" pitchFamily="2" charset="-122"/>
                   </a:defRPr>
                 </a:lvl2pPr>
                 <a:lvl3pPr marL="1143000" indent="-228600">
@@ -9867,14 +9870,14 @@
                   <a:spcBef>
                     <a:spcPts val="500"/>
                   </a:spcBef>
-                  <a:buFont typeface="Arial" panose="020B0604020202090204" pitchFamily="34" charset="0"/>
+                  <a:buFont typeface="Arial" panose="020B0604020202020204" pitchFamily="34" charset="0"/>
                   <a:buChar char="•"/>
                   <a:defRPr sz="2000">
                     <a:solidFill>
                       <a:schemeClr val="tx1"/>
                     </a:solidFill>
                     <a:latin typeface="Calibri" panose="020F0502020204030204" pitchFamily="34" charset="0"/>
-                    <a:ea typeface="宋体" pitchFamily="2" charset="-122"/>
+                    <a:ea typeface="宋体" panose="02010600030101010101" pitchFamily="2" charset="-122"/>
                   </a:defRPr>
                 </a:lvl3pPr>
                 <a:lvl4pPr marL="1600200" indent="-228600">
@@ -9884,14 +9887,14 @@
                   <a:spcBef>
                     <a:spcPts val="500"/>
                   </a:spcBef>
-                  <a:buFont typeface="Arial" panose="020B0604020202090204" pitchFamily="34" charset="0"/>
+                  <a:buFont typeface="Arial" panose="020B0604020202020204" pitchFamily="34" charset="0"/>
                   <a:buChar char="•"/>
                   <a:defRPr>
                     <a:solidFill>
                       <a:schemeClr val="tx1"/>
                     </a:solidFill>
                     <a:latin typeface="Calibri" panose="020F0502020204030204" pitchFamily="34" charset="0"/>
-                    <a:ea typeface="宋体" pitchFamily="2" charset="-122"/>
+                    <a:ea typeface="宋体" panose="02010600030101010101" pitchFamily="2" charset="-122"/>
                   </a:defRPr>
                 </a:lvl4pPr>
                 <a:lvl5pPr marL="2057400" indent="-228600">
@@ -9901,14 +9904,14 @@
                   <a:spcBef>
                     <a:spcPts val="500"/>
                   </a:spcBef>
-                  <a:buFont typeface="Arial" panose="020B0604020202090204" pitchFamily="34" charset="0"/>
+                  <a:buFont typeface="Arial" panose="020B0604020202020204" pitchFamily="34" charset="0"/>
                   <a:buChar char="•"/>
                   <a:defRPr>
                     <a:solidFill>
                       <a:schemeClr val="tx1"/>
                     </a:solidFill>
                     <a:latin typeface="Calibri" panose="020F0502020204030204" pitchFamily="34" charset="0"/>
-                    <a:ea typeface="宋体" pitchFamily="2" charset="-122"/>
+                    <a:ea typeface="宋体" panose="02010600030101010101" pitchFamily="2" charset="-122"/>
                   </a:defRPr>
                 </a:lvl5pPr>
                 <a:lvl6pPr marL="2514600" indent="-228600" eaLnBrk="0" fontAlgn="base" hangingPunct="0">
@@ -9921,14 +9924,14 @@
                   <a:spcAft>
                     <a:spcPct val="0"/>
                   </a:spcAft>
-                  <a:buFont typeface="Arial" panose="020B0604020202090204" pitchFamily="34" charset="0"/>
+                  <a:buFont typeface="Arial" panose="020B0604020202020204" pitchFamily="34" charset="0"/>
                   <a:buChar char="•"/>
                   <a:defRPr>
                     <a:solidFill>
                       <a:schemeClr val="tx1"/>
                     </a:solidFill>
                     <a:latin typeface="Calibri" panose="020F0502020204030204" pitchFamily="34" charset="0"/>
-                    <a:ea typeface="宋体" pitchFamily="2" charset="-122"/>
+                    <a:ea typeface="宋体" panose="02010600030101010101" pitchFamily="2" charset="-122"/>
                   </a:defRPr>
                 </a:lvl6pPr>
                 <a:lvl7pPr marL="2971800" indent="-228600" eaLnBrk="0" fontAlgn="base" hangingPunct="0">
@@ -9941,14 +9944,14 @@
                   <a:spcAft>
                     <a:spcPct val="0"/>
                   </a:spcAft>
-                  <a:buFont typeface="Arial" panose="020B0604020202090204" pitchFamily="34" charset="0"/>
+                  <a:buFont typeface="Arial" panose="020B0604020202020204" pitchFamily="34" charset="0"/>
                   <a:buChar char="•"/>
                   <a:defRPr>
                     <a:solidFill>
                       <a:schemeClr val="tx1"/>
                     </a:solidFill>
                     <a:latin typeface="Calibri" panose="020F0502020204030204" pitchFamily="34" charset="0"/>
-                    <a:ea typeface="宋体" pitchFamily="2" charset="-122"/>
+                    <a:ea typeface="宋体" panose="02010600030101010101" pitchFamily="2" charset="-122"/>
                   </a:defRPr>
                 </a:lvl7pPr>
                 <a:lvl8pPr marL="3429000" indent="-228600" eaLnBrk="0" fontAlgn="base" hangingPunct="0">
@@ -9961,14 +9964,14 @@
                   <a:spcAft>
                     <a:spcPct val="0"/>
                   </a:spcAft>
-                  <a:buFont typeface="Arial" panose="020B0604020202090204" pitchFamily="34" charset="0"/>
+                  <a:buFont typeface="Arial" panose="020B0604020202020204" pitchFamily="34" charset="0"/>
                   <a:buChar char="•"/>
                   <a:defRPr>
                     <a:solidFill>
                       <a:schemeClr val="tx1"/>
                     </a:solidFill>
                     <a:latin typeface="Calibri" panose="020F0502020204030204" pitchFamily="34" charset="0"/>
-                    <a:ea typeface="宋体" pitchFamily="2" charset="-122"/>
+                    <a:ea typeface="宋体" panose="02010600030101010101" pitchFamily="2" charset="-122"/>
                   </a:defRPr>
                 </a:lvl8pPr>
                 <a:lvl9pPr marL="3886200" indent="-228600" eaLnBrk="0" fontAlgn="base" hangingPunct="0">
@@ -9981,14 +9984,14 @@
                   <a:spcAft>
                     <a:spcPct val="0"/>
                   </a:spcAft>
-                  <a:buFont typeface="Arial" panose="020B0604020202090204" pitchFamily="34" charset="0"/>
+                  <a:buFont typeface="Arial" panose="020B0604020202020204" pitchFamily="34" charset="0"/>
                   <a:buChar char="•"/>
                   <a:defRPr>
                     <a:solidFill>
                       <a:schemeClr val="tx1"/>
                     </a:solidFill>
                     <a:latin typeface="Calibri" panose="020F0502020204030204" pitchFamily="34" charset="0"/>
-                    <a:ea typeface="宋体" pitchFamily="2" charset="-122"/>
+                    <a:ea typeface="宋体" panose="02010600030101010101" pitchFamily="2" charset="-122"/>
                   </a:defRPr>
                 </a:lvl9pPr>
               </a:lstStyle>
@@ -10156,14 +10159,14 @@
                   <a:spcBef>
                     <a:spcPts val="1000"/>
                   </a:spcBef>
-                  <a:buFont typeface="Arial" panose="020B0604020202090204" pitchFamily="34" charset="0"/>
+                  <a:buFont typeface="Arial" panose="020B0604020202020204" pitchFamily="34" charset="0"/>
                   <a:buChar char="•"/>
                   <a:defRPr sz="2800">
                     <a:solidFill>
                       <a:schemeClr val="tx1"/>
                     </a:solidFill>
                     <a:latin typeface="Calibri" panose="020F0502020204030204" pitchFamily="34" charset="0"/>
-                    <a:ea typeface="宋体" pitchFamily="2" charset="-122"/>
+                    <a:ea typeface="宋体" panose="02010600030101010101" pitchFamily="2" charset="-122"/>
                   </a:defRPr>
                 </a:lvl1pPr>
                 <a:lvl2pPr marL="742950" indent="-285750">
@@ -10173,14 +10176,14 @@
                   <a:spcBef>
                     <a:spcPts val="500"/>
                   </a:spcBef>
-                  <a:buFont typeface="Arial" panose="020B0604020202090204" pitchFamily="34" charset="0"/>
+                  <a:buFont typeface="Arial" panose="020B0604020202020204" pitchFamily="34" charset="0"/>
                   <a:buChar char="•"/>
                   <a:defRPr sz="2400">
                     <a:solidFill>
                       <a:schemeClr val="tx1"/>
                     </a:solidFill>
                     <a:latin typeface="Calibri" panose="020F0502020204030204" pitchFamily="34" charset="0"/>
-                    <a:ea typeface="宋体" pitchFamily="2" charset="-122"/>
+                    <a:ea typeface="宋体" panose="02010600030101010101" pitchFamily="2" charset="-122"/>
                   </a:defRPr>
                 </a:lvl2pPr>
                 <a:lvl3pPr marL="1143000" indent="-228600">
@@ -10190,14 +10193,14 @@
                   <a:spcBef>
                     <a:spcPts val="500"/>
                   </a:spcBef>
-                  <a:buFont typeface="Arial" panose="020B0604020202090204" pitchFamily="34" charset="0"/>
+                  <a:buFont typeface="Arial" panose="020B0604020202020204" pitchFamily="34" charset="0"/>
                   <a:buChar char="•"/>
                   <a:defRPr sz="2000">
                     <a:solidFill>
                       <a:schemeClr val="tx1"/>
                     </a:solidFill>
                     <a:latin typeface="Calibri" panose="020F0502020204030204" pitchFamily="34" charset="0"/>
-                    <a:ea typeface="宋体" pitchFamily="2" charset="-122"/>
+                    <a:ea typeface="宋体" panose="02010600030101010101" pitchFamily="2" charset="-122"/>
                   </a:defRPr>
                 </a:lvl3pPr>
                 <a:lvl4pPr marL="1600200" indent="-228600">
@@ -10207,14 +10210,14 @@
                   <a:spcBef>
                     <a:spcPts val="500"/>
                   </a:spcBef>
-                  <a:buFont typeface="Arial" panose="020B0604020202090204" pitchFamily="34" charset="0"/>
+                  <a:buFont typeface="Arial" panose="020B0604020202020204" pitchFamily="34" charset="0"/>
                   <a:buChar char="•"/>
                   <a:defRPr>
                     <a:solidFill>
                       <a:schemeClr val="tx1"/>
                     </a:solidFill>
                     <a:latin typeface="Calibri" panose="020F0502020204030204" pitchFamily="34" charset="0"/>
-                    <a:ea typeface="宋体" pitchFamily="2" charset="-122"/>
+                    <a:ea typeface="宋体" panose="02010600030101010101" pitchFamily="2" charset="-122"/>
                   </a:defRPr>
                 </a:lvl4pPr>
                 <a:lvl5pPr marL="2057400" indent="-228600">
@@ -10224,14 +10227,14 @@
                   <a:spcBef>
                     <a:spcPts val="500"/>
                   </a:spcBef>
-                  <a:buFont typeface="Arial" panose="020B0604020202090204" pitchFamily="34" charset="0"/>
+                  <a:buFont typeface="Arial" panose="020B0604020202020204" pitchFamily="34" charset="0"/>
                   <a:buChar char="•"/>
                   <a:defRPr>
                     <a:solidFill>
                       <a:schemeClr val="tx1"/>
                     </a:solidFill>
                     <a:latin typeface="Calibri" panose="020F0502020204030204" pitchFamily="34" charset="0"/>
-                    <a:ea typeface="宋体" pitchFamily="2" charset="-122"/>
+                    <a:ea typeface="宋体" panose="02010600030101010101" pitchFamily="2" charset="-122"/>
                   </a:defRPr>
                 </a:lvl5pPr>
                 <a:lvl6pPr marL="2514600" indent="-228600" eaLnBrk="0" fontAlgn="base" hangingPunct="0">
@@ -10244,14 +10247,14 @@
                   <a:spcAft>
                     <a:spcPct val="0"/>
                   </a:spcAft>
-                  <a:buFont typeface="Arial" panose="020B0604020202090204" pitchFamily="34" charset="0"/>
+                  <a:buFont typeface="Arial" panose="020B0604020202020204" pitchFamily="34" charset="0"/>
                   <a:buChar char="•"/>
                   <a:defRPr>
                     <a:solidFill>
                       <a:schemeClr val="tx1"/>
                     </a:solidFill>
                     <a:latin typeface="Calibri" panose="020F0502020204030204" pitchFamily="34" charset="0"/>
-                    <a:ea typeface="宋体" pitchFamily="2" charset="-122"/>
+                    <a:ea typeface="宋体" panose="02010600030101010101" pitchFamily="2" charset="-122"/>
                   </a:defRPr>
                 </a:lvl6pPr>
                 <a:lvl7pPr marL="2971800" indent="-228600" eaLnBrk="0" fontAlgn="base" hangingPunct="0">
@@ -10264,14 +10267,14 @@
                   <a:spcAft>
                     <a:spcPct val="0"/>
                   </a:spcAft>
-                  <a:buFont typeface="Arial" panose="020B0604020202090204" pitchFamily="34" charset="0"/>
+                  <a:buFont typeface="Arial" panose="020B0604020202020204" pitchFamily="34" charset="0"/>
                   <a:buChar char="•"/>
                   <a:defRPr>
                     <a:solidFill>
                       <a:schemeClr val="tx1"/>
                     </a:solidFill>
                     <a:latin typeface="Calibri" panose="020F0502020204030204" pitchFamily="34" charset="0"/>
-                    <a:ea typeface="宋体" pitchFamily="2" charset="-122"/>
+                    <a:ea typeface="宋体" panose="02010600030101010101" pitchFamily="2" charset="-122"/>
                   </a:defRPr>
                 </a:lvl7pPr>
                 <a:lvl8pPr marL="3429000" indent="-228600" eaLnBrk="0" fontAlgn="base" hangingPunct="0">
@@ -10284,14 +10287,14 @@
                   <a:spcAft>
                     <a:spcPct val="0"/>
                   </a:spcAft>
-                  <a:buFont typeface="Arial" panose="020B0604020202090204" pitchFamily="34" charset="0"/>
+                  <a:buFont typeface="Arial" panose="020B0604020202020204" pitchFamily="34" charset="0"/>
                   <a:buChar char="•"/>
                   <a:defRPr>
                     <a:solidFill>
                       <a:schemeClr val="tx1"/>
                     </a:solidFill>
                     <a:latin typeface="Calibri" panose="020F0502020204030204" pitchFamily="34" charset="0"/>
-                    <a:ea typeface="宋体" pitchFamily="2" charset="-122"/>
+                    <a:ea typeface="宋体" panose="02010600030101010101" pitchFamily="2" charset="-122"/>
                   </a:defRPr>
                 </a:lvl8pPr>
                 <a:lvl9pPr marL="3886200" indent="-228600" eaLnBrk="0" fontAlgn="base" hangingPunct="0">
@@ -10304,14 +10307,14 @@
                   <a:spcAft>
                     <a:spcPct val="0"/>
                   </a:spcAft>
-                  <a:buFont typeface="Arial" panose="020B0604020202090204" pitchFamily="34" charset="0"/>
+                  <a:buFont typeface="Arial" panose="020B0604020202020204" pitchFamily="34" charset="0"/>
                   <a:buChar char="•"/>
                   <a:defRPr>
                     <a:solidFill>
                       <a:schemeClr val="tx1"/>
                     </a:solidFill>
                     <a:latin typeface="Calibri" panose="020F0502020204030204" pitchFamily="34" charset="0"/>
-                    <a:ea typeface="宋体" pitchFamily="2" charset="-122"/>
+                    <a:ea typeface="宋体" panose="02010600030101010101" pitchFamily="2" charset="-122"/>
                   </a:defRPr>
                 </a:lvl9pPr>
               </a:lstStyle>
@@ -10465,14 +10468,14 @@
                 <a:spcBef>
                   <a:spcPts val="1000"/>
                 </a:spcBef>
-                <a:buFont typeface="Arial" panose="020B0604020202090204" pitchFamily="34" charset="0"/>
+                <a:buFont typeface="Arial" panose="020B0604020202020204" pitchFamily="34" charset="0"/>
                 <a:buChar char="•"/>
                 <a:defRPr sz="2800">
                   <a:solidFill>
                     <a:schemeClr val="tx1"/>
                   </a:solidFill>
                   <a:latin typeface="Calibri" panose="020F0502020204030204" pitchFamily="34" charset="0"/>
-                  <a:ea typeface="宋体" pitchFamily="2" charset="-122"/>
+                  <a:ea typeface="宋体" panose="02010600030101010101" pitchFamily="2" charset="-122"/>
                 </a:defRPr>
               </a:lvl1pPr>
               <a:lvl2pPr marL="742950" indent="-285750">
@@ -10482,14 +10485,14 @@
                 <a:spcBef>
                   <a:spcPts val="500"/>
                 </a:spcBef>
-                <a:buFont typeface="Arial" panose="020B0604020202090204" pitchFamily="34" charset="0"/>
+                <a:buFont typeface="Arial" panose="020B0604020202020204" pitchFamily="34" charset="0"/>
                 <a:buChar char="•"/>
                 <a:defRPr sz="2400">
                   <a:solidFill>
                     <a:schemeClr val="tx1"/>
                   </a:solidFill>
                   <a:latin typeface="Calibri" panose="020F0502020204030204" pitchFamily="34" charset="0"/>
-                  <a:ea typeface="宋体" pitchFamily="2" charset="-122"/>
+                  <a:ea typeface="宋体" panose="02010600030101010101" pitchFamily="2" charset="-122"/>
                 </a:defRPr>
               </a:lvl2pPr>
               <a:lvl3pPr marL="1143000" indent="-228600">
@@ -10499,14 +10502,14 @@
                 <a:spcBef>
                   <a:spcPts val="500"/>
                 </a:spcBef>
-                <a:buFont typeface="Arial" panose="020B0604020202090204" pitchFamily="34" charset="0"/>
+                <a:buFont typeface="Arial" panose="020B0604020202020204" pitchFamily="34" charset="0"/>
                 <a:buChar char="•"/>
                 <a:defRPr sz="2000">
                   <a:solidFill>
                     <a:schemeClr val="tx1"/>
                   </a:solidFill>
                   <a:latin typeface="Calibri" panose="020F0502020204030204" pitchFamily="34" charset="0"/>
-                  <a:ea typeface="宋体" pitchFamily="2" charset="-122"/>
+                  <a:ea typeface="宋体" panose="02010600030101010101" pitchFamily="2" charset="-122"/>
                 </a:defRPr>
               </a:lvl3pPr>
               <a:lvl4pPr marL="1600200" indent="-228600">
@@ -10516,14 +10519,14 @@
                 <a:spcBef>
                   <a:spcPts val="500"/>
                 </a:spcBef>
-                <a:buFont typeface="Arial" panose="020B0604020202090204" pitchFamily="34" charset="0"/>
+                <a:buFont typeface="Arial" panose="020B0604020202020204" pitchFamily="34" charset="0"/>
                 <a:buChar char="•"/>
                 <a:defRPr>
                   <a:solidFill>
                     <a:schemeClr val="tx1"/>
                   </a:solidFill>
                   <a:latin typeface="Calibri" panose="020F0502020204030204" pitchFamily="34" charset="0"/>
-                  <a:ea typeface="宋体" pitchFamily="2" charset="-122"/>
+                  <a:ea typeface="宋体" panose="02010600030101010101" pitchFamily="2" charset="-122"/>
                 </a:defRPr>
               </a:lvl4pPr>
               <a:lvl5pPr marL="2057400" indent="-228600">
@@ -10533,14 +10536,14 @@
                 <a:spcBef>
                   <a:spcPts val="500"/>
                 </a:spcBef>
-                <a:buFont typeface="Arial" panose="020B0604020202090204" pitchFamily="34" charset="0"/>
+                <a:buFont typeface="Arial" panose="020B0604020202020204" pitchFamily="34" charset="0"/>
                 <a:buChar char="•"/>
                 <a:defRPr>
                   <a:solidFill>
                     <a:schemeClr val="tx1"/>
                   </a:solidFill>
                   <a:latin typeface="Calibri" panose="020F0502020204030204" pitchFamily="34" charset="0"/>
-                  <a:ea typeface="宋体" pitchFamily="2" charset="-122"/>
+                  <a:ea typeface="宋体" panose="02010600030101010101" pitchFamily="2" charset="-122"/>
                 </a:defRPr>
               </a:lvl5pPr>
               <a:lvl6pPr marL="2514600" indent="-228600" eaLnBrk="0" fontAlgn="base" hangingPunct="0">
@@ -10553,14 +10556,14 @@
                 <a:spcAft>
                   <a:spcPct val="0"/>
                 </a:spcAft>
-                <a:buFont typeface="Arial" panose="020B0604020202090204" pitchFamily="34" charset="0"/>
+                <a:buFont typeface="Arial" panose="020B0604020202020204" pitchFamily="34" charset="0"/>
                 <a:buChar char="•"/>
                 <a:defRPr>
                   <a:solidFill>
                     <a:schemeClr val="tx1"/>
                   </a:solidFill>
                   <a:latin typeface="Calibri" panose="020F0502020204030204" pitchFamily="34" charset="0"/>
-                  <a:ea typeface="宋体" pitchFamily="2" charset="-122"/>
+                  <a:ea typeface="宋体" panose="02010600030101010101" pitchFamily="2" charset="-122"/>
                 </a:defRPr>
               </a:lvl6pPr>
               <a:lvl7pPr marL="2971800" indent="-228600" eaLnBrk="0" fontAlgn="base" hangingPunct="0">
@@ -10573,14 +10576,14 @@
                 <a:spcAft>
                   <a:spcPct val="0"/>
                 </a:spcAft>
-                <a:buFont typeface="Arial" panose="020B0604020202090204" pitchFamily="34" charset="0"/>
+                <a:buFont typeface="Arial" panose="020B0604020202020204" pitchFamily="34" charset="0"/>
                 <a:buChar char="•"/>
                 <a:defRPr>
                   <a:solidFill>
                     <a:schemeClr val="tx1"/>
                   </a:solidFill>
                   <a:latin typeface="Calibri" panose="020F0502020204030204" pitchFamily="34" charset="0"/>
-                  <a:ea typeface="宋体" pitchFamily="2" charset="-122"/>
+                  <a:ea typeface="宋体" panose="02010600030101010101" pitchFamily="2" charset="-122"/>
                 </a:defRPr>
               </a:lvl7pPr>
               <a:lvl8pPr marL="3429000" indent="-228600" eaLnBrk="0" fontAlgn="base" hangingPunct="0">
@@ -10593,14 +10596,14 @@
                 <a:spcAft>
                   <a:spcPct val="0"/>
                 </a:spcAft>
-                <a:buFont typeface="Arial" panose="020B0604020202090204" pitchFamily="34" charset="0"/>
+                <a:buFont typeface="Arial" panose="020B0604020202020204" pitchFamily="34" charset="0"/>
                 <a:buChar char="•"/>
                 <a:defRPr>
                   <a:solidFill>
                     <a:schemeClr val="tx1"/>
                   </a:solidFill>
                   <a:latin typeface="Calibri" panose="020F0502020204030204" pitchFamily="34" charset="0"/>
-                  <a:ea typeface="宋体" pitchFamily="2" charset="-122"/>
+                  <a:ea typeface="宋体" panose="02010600030101010101" pitchFamily="2" charset="-122"/>
                 </a:defRPr>
               </a:lvl8pPr>
               <a:lvl9pPr marL="3886200" indent="-228600" eaLnBrk="0" fontAlgn="base" hangingPunct="0">
@@ -10613,14 +10616,14 @@
                 <a:spcAft>
                   <a:spcPct val="0"/>
                 </a:spcAft>
-                <a:buFont typeface="Arial" panose="020B0604020202090204" pitchFamily="34" charset="0"/>
+                <a:buFont typeface="Arial" panose="020B0604020202020204" pitchFamily="34" charset="0"/>
                 <a:buChar char="•"/>
                 <a:defRPr>
                   <a:solidFill>
                     <a:schemeClr val="tx1"/>
                   </a:solidFill>
                   <a:latin typeface="Calibri" panose="020F0502020204030204" pitchFamily="34" charset="0"/>
-                  <a:ea typeface="宋体" pitchFamily="2" charset="-122"/>
+                  <a:ea typeface="宋体" panose="02010600030101010101" pitchFamily="2" charset="-122"/>
                 </a:defRPr>
               </a:lvl9pPr>
             </a:lstStyle>
@@ -11030,8 +11033,8 @@
                 <a:effectLst/>
                 <a:uLnTx/>
                 <a:uFillTx/>
-                <a:latin typeface="等线" panose="020F0502020204030204"/>
-                <a:ea typeface="等线" panose="02010600030101010101" pitchFamily="2" charset="-122"/>
+                <a:latin typeface="等线" panose="02010600030101010101" charset="-122"/>
+                <a:ea typeface="等线" panose="02010600030101010101" charset="-122"/>
                 <a:cs typeface="+mn-cs"/>
               </a:endParaRPr>
             </a:p>
@@ -11463,8 +11466,8 @@
               <a:effectLst/>
               <a:uLnTx/>
               <a:uFillTx/>
-              <a:latin typeface="等线" panose="020F0502020204030204"/>
-              <a:ea typeface="等线" panose="02010600030101010101" pitchFamily="2" charset="-122"/>
+              <a:latin typeface="等线" panose="02010600030101010101" charset="-122"/>
+              <a:ea typeface="等线" panose="02010600030101010101" charset="-122"/>
               <a:cs typeface="+mn-cs"/>
             </a:endParaRPr>
           </a:p>
@@ -11524,8 +11527,8 @@
               <a:effectLst/>
               <a:uLnTx/>
               <a:uFillTx/>
-              <a:latin typeface="等线" panose="020F0502020204030204"/>
-              <a:ea typeface="等线" panose="02010600030101010101" pitchFamily="2" charset="-122"/>
+              <a:latin typeface="等线" panose="02010600030101010101" charset="-122"/>
+              <a:ea typeface="等线" panose="02010600030101010101" charset="-122"/>
               <a:cs typeface="+mn-cs"/>
             </a:endParaRPr>
           </a:p>
@@ -13228,7 +13231,7 @@
                 <a:spcBef>
                   <a:spcPct val="0"/>
                 </a:spcBef>
-                <a:buFont typeface="Arial" panose="020B0604020202090204" pitchFamily="34" charset="0"/>
+                <a:buFont typeface="Arial" panose="020B0604020202020204" pitchFamily="34" charset="0"/>
                 <a:buNone/>
                 <a:defRPr/>
               </a:pPr>
@@ -14952,7 +14955,7 @@
                 <a:spcBef>
                   <a:spcPct val="0"/>
                 </a:spcBef>
-                <a:buFont typeface="Arial" panose="020B0604020202090204" pitchFamily="34" charset="0"/>
+                <a:buFont typeface="Arial" panose="020B0604020202020204" pitchFamily="34" charset="0"/>
                 <a:buNone/>
                 <a:defRPr/>
               </a:pPr>
@@ -17876,7 +17879,7 @@
                 <a:spcBef>
                   <a:spcPct val="0"/>
                 </a:spcBef>
-                <a:buFont typeface="Arial" panose="020B0604020202090204" pitchFamily="34" charset="0"/>
+                <a:buFont typeface="Arial" panose="020B0604020202020204" pitchFamily="34" charset="0"/>
                 <a:buNone/>
                 <a:defRPr/>
               </a:pPr>
@@ -19876,10 +19879,10 @@
                     <a:solidFill>
                       <a:prstClr val="black"/>
                     </a:solidFill>
-                    <a:latin typeface="Arial" panose="020B0604020202090204" pitchFamily="34" charset="0"/>
+                    <a:latin typeface="Arial" panose="020B0604020202020204" pitchFamily="34" charset="0"/>
                     <a:ea typeface="微软雅黑" panose="020B0503020204020204" pitchFamily="34" charset="-122"/>
                     <a:cs typeface="+mn-ea"/>
-                    <a:sym typeface="Arial" panose="020B0604020202090204" pitchFamily="34" charset="0"/>
+                    <a:sym typeface="Arial" panose="020B0604020202020204" pitchFamily="34" charset="0"/>
                   </a:rPr>
                   <a:t>词法分析器的设计</a:t>
                 </a:r>
@@ -19887,10 +19890,10 @@
                   <a:solidFill>
                     <a:prstClr val="black"/>
                   </a:solidFill>
-                  <a:latin typeface="Arial" panose="020B0604020202090204" pitchFamily="34" charset="0"/>
+                  <a:latin typeface="Arial" panose="020B0604020202020204" pitchFamily="34" charset="0"/>
                   <a:ea typeface="微软雅黑" panose="020B0503020204020204" pitchFamily="34" charset="-122"/>
                   <a:cs typeface="+mn-ea"/>
-                  <a:sym typeface="Arial" panose="020B0604020202090204" pitchFamily="34" charset="0"/>
+                  <a:sym typeface="Arial" panose="020B0604020202020204" pitchFamily="34" charset="0"/>
                 </a:endParaRPr>
               </a:p>
             </p:txBody>
@@ -20057,10 +20060,10 @@
                     <a:solidFill>
                       <a:prstClr val="black"/>
                     </a:solidFill>
-                    <a:latin typeface="Arial" panose="020B0604020202090204" pitchFamily="34" charset="0"/>
+                    <a:latin typeface="Arial" panose="020B0604020202020204" pitchFamily="34" charset="0"/>
                     <a:ea typeface="微软雅黑" panose="020B0503020204020204" pitchFamily="34" charset="-122"/>
                     <a:cs typeface="+mn-ea"/>
-                    <a:sym typeface="Arial" panose="020B0604020202090204" pitchFamily="34" charset="0"/>
+                    <a:sym typeface="Arial" panose="020B0604020202020204" pitchFamily="34" charset="0"/>
                   </a:rPr>
                   <a:t>中间代码生成</a:t>
                 </a:r>
@@ -20068,10 +20071,10 @@
                   <a:solidFill>
                     <a:prstClr val="black"/>
                   </a:solidFill>
-                  <a:latin typeface="Arial" panose="020B0604020202090204" pitchFamily="34" charset="0"/>
+                  <a:latin typeface="Arial" panose="020B0604020202020204" pitchFamily="34" charset="0"/>
                   <a:ea typeface="微软雅黑" panose="020B0503020204020204" pitchFamily="34" charset="-122"/>
                   <a:cs typeface="+mn-ea"/>
-                  <a:sym typeface="Arial" panose="020B0604020202090204" pitchFamily="34" charset="0"/>
+                  <a:sym typeface="Arial" panose="020B0604020202020204" pitchFamily="34" charset="0"/>
                 </a:endParaRPr>
               </a:p>
             </p:txBody>
@@ -20208,10 +20211,10 @@
                     <a:solidFill>
                       <a:prstClr val="black"/>
                     </a:solidFill>
-                    <a:latin typeface="Arial" panose="020B0604020202090204" pitchFamily="34" charset="0"/>
+                    <a:latin typeface="Arial" panose="020B0604020202020204" pitchFamily="34" charset="0"/>
                     <a:ea typeface="微软雅黑" panose="020B0503020204020204" pitchFamily="34" charset="-122"/>
                     <a:cs typeface="+mn-ea"/>
-                    <a:sym typeface="Arial" panose="020B0604020202090204" pitchFamily="34" charset="0"/>
+                    <a:sym typeface="Arial" panose="020B0604020202020204" pitchFamily="34" charset="0"/>
                   </a:rPr>
                   <a:t>语法分析器的实现</a:t>
                 </a:r>
@@ -20219,10 +20222,10 @@
                   <a:solidFill>
                     <a:prstClr val="black"/>
                   </a:solidFill>
-                  <a:latin typeface="Arial" panose="020B0604020202090204" pitchFamily="34" charset="0"/>
+                  <a:latin typeface="Arial" panose="020B0604020202020204" pitchFamily="34" charset="0"/>
                   <a:ea typeface="微软雅黑" panose="020B0503020204020204" pitchFamily="34" charset="-122"/>
                   <a:cs typeface="+mn-ea"/>
-                  <a:sym typeface="Arial" panose="020B0604020202090204" pitchFamily="34" charset="0"/>
+                  <a:sym typeface="Arial" panose="020B0604020202020204" pitchFamily="34" charset="0"/>
                 </a:endParaRPr>
               </a:p>
             </p:txBody>
@@ -20412,10 +20415,10 @@
                     <a:solidFill>
                       <a:prstClr val="black"/>
                     </a:solidFill>
-                    <a:latin typeface="Arial" panose="020B0604020202090204" pitchFamily="34" charset="0"/>
+                    <a:latin typeface="Arial" panose="020B0604020202020204" pitchFamily="34" charset="0"/>
                     <a:ea typeface="微软雅黑" panose="020B0503020204020204" pitchFamily="34" charset="-122"/>
                     <a:cs typeface="+mn-ea"/>
-                    <a:sym typeface="Arial" panose="020B0604020202090204" pitchFamily="34" charset="0"/>
+                    <a:sym typeface="Arial" panose="020B0604020202020204" pitchFamily="34" charset="0"/>
                   </a:rPr>
                   <a:t>图形用户界面</a:t>
                 </a:r>
@@ -20423,10 +20426,10 @@
                   <a:solidFill>
                     <a:prstClr val="black"/>
                   </a:solidFill>
-                  <a:latin typeface="Arial" panose="020B0604020202090204" pitchFamily="34" charset="0"/>
+                  <a:latin typeface="Arial" panose="020B0604020202020204" pitchFamily="34" charset="0"/>
                   <a:ea typeface="微软雅黑" panose="020B0503020204020204" pitchFamily="34" charset="-122"/>
                   <a:cs typeface="+mn-ea"/>
-                  <a:sym typeface="Arial" panose="020B0604020202090204" pitchFamily="34" charset="0"/>
+                  <a:sym typeface="Arial" panose="020B0604020202020204" pitchFamily="34" charset="0"/>
                 </a:endParaRPr>
               </a:p>
             </p:txBody>
@@ -21034,7 +21037,7 @@
                 <a:spcBef>
                   <a:spcPct val="0"/>
                 </a:spcBef>
-                <a:buFont typeface="Arial" panose="020B0604020202090204" pitchFamily="34" charset="0"/>
+                <a:buFont typeface="Arial" panose="020B0604020202020204" pitchFamily="34" charset="0"/>
                 <a:buNone/>
                 <a:defRPr/>
               </a:pPr>
@@ -23050,7 +23053,7 @@
                 <a:spcBef>
                   <a:spcPct val="0"/>
                 </a:spcBef>
-                <a:buFont typeface="Arial" panose="020B0604020202090204" pitchFamily="34" charset="0"/>
+                <a:buFont typeface="Arial" panose="020B0604020202020204" pitchFamily="34" charset="0"/>
                 <a:buNone/>
                 <a:defRPr/>
               </a:pPr>
@@ -24914,6 +24917,12 @@
 <file path=ppt/tags/tag68.xml><?xml version="1.0" encoding="utf-8"?>
 <p:tagLst xmlns:p="http://schemas.openxmlformats.org/presentationml/2006/main">
   <p:tag name="KSO_WM_BEAUTIFY_FLAG" val=""/>
+</p:tagLst>
+</file>
+
+<file path=ppt/tags/tag69.xml><?xml version="1.0" encoding="utf-8"?>
+<p:tagLst xmlns:p="http://schemas.openxmlformats.org/presentationml/2006/main">
+  <p:tag name="commondata" val="eyJjb3VudCI6MSwiaGRpZCI6ImI3M2Q3OWQ2MjQ4MWY3ZDI3OWZlMzU5ZDdlMTNiNjE3IiwidXNlckNvdW50IjoxfQ=="/>
 </p:tagLst>
 </file>
 
